--- a/events/2020-03-13/online_lecture.pptx
+++ b/events/2020-03-13/online_lecture.pptx
@@ -52300,6 +52300,138 @@
           </a:p>
         </p:txBody>
       </p:sp>
+      <p:sp>
+        <p:nvSpPr>
+          <p:cNvPr id="4" name="タイトル 1"/>
+          <p:cNvSpPr txBox="1">
+            <a:spLocks/>
+          </p:cNvSpPr>
+          <p:nvPr/>
+        </p:nvSpPr>
+        <p:spPr>
+          <a:xfrm>
+            <a:off x="1115616" y="5085184"/>
+            <a:ext cx="6950576" cy="1512888"/>
+          </a:xfrm>
+          <a:prstGeom prst="rect">
+            <a:avLst/>
+          </a:prstGeom>
+        </p:spPr>
+        <p:txBody>
+          <a:bodyPr vert="horz" rtlCol="0" anchor="b">
+            <a:normAutofit fontScale="97500"/>
+          </a:bodyPr>
+          <a:lstStyle/>
+          <a:p>
+            <a:pPr marL="0" marR="0" lvl="0" indent="0" algn="ctr" defTabSz="914400" rtl="0" eaLnBrk="1" fontAlgn="auto" latinLnBrk="0" hangingPunct="1">
+              <a:lnSpc>
+                <a:spcPct val="100000"/>
+              </a:lnSpc>
+              <a:spcBef>
+                <a:spcPct val="0"/>
+              </a:spcBef>
+              <a:spcAft>
+                <a:spcPts val="0"/>
+              </a:spcAft>
+              <a:buClrTx/>
+              <a:buSzTx/>
+              <a:buFontTx/>
+              <a:buNone/>
+              <a:tabLst/>
+              <a:defRPr/>
+            </a:pPr>
+            <a:r>
+              <a:rPr kumimoji="1" lang="ja-JP" altLang="en-US" sz="3200" b="0" i="0" u="none" strike="noStrike" kern="0" cap="none" spc="0" normalizeH="0" baseline="0" noProof="0" dirty="0" smtClean="0">
+                <a:ln>
+                  <a:noFill/>
+                </a:ln>
+                <a:solidFill>
+                  <a:srgbClr val="FF0000"/>
+                </a:solidFill>
+                <a:effectLst>
+                  <a:outerShdw blurRad="127000" algn="tl" rotWithShape="0">
+                    <a:schemeClr val="bg1">
+                      <a:alpha val="90000"/>
+                    </a:schemeClr>
+                  </a:outerShdw>
+                </a:effectLst>
+                <a:uLnTx/>
+                <a:uFillTx/>
+                <a:latin typeface="+mj-lt"/>
+                <a:ea typeface="+mj-ea"/>
+                <a:cs typeface="+mj-cs"/>
+              </a:rPr>
+              <a:t>執筆中（完成度</a:t>
+            </a:r>
+            <a:r>
+              <a:rPr kumimoji="1" lang="en-US" altLang="ja-JP" sz="3200" b="0" i="0" u="none" strike="noStrike" kern="0" cap="none" spc="0" normalizeH="0" baseline="0" noProof="0" dirty="0" smtClean="0">
+                <a:ln>
+                  <a:noFill/>
+                </a:ln>
+                <a:solidFill>
+                  <a:srgbClr val="FF0000"/>
+                </a:solidFill>
+                <a:effectLst>
+                  <a:outerShdw blurRad="127000" algn="tl" rotWithShape="0">
+                    <a:schemeClr val="bg1">
+                      <a:alpha val="90000"/>
+                    </a:schemeClr>
+                  </a:outerShdw>
+                </a:effectLst>
+                <a:uLnTx/>
+                <a:uFillTx/>
+                <a:latin typeface="+mj-lt"/>
+                <a:ea typeface="+mj-ea"/>
+                <a:cs typeface="+mj-cs"/>
+              </a:rPr>
+              <a:t>40%</a:t>
+            </a:r>
+            <a:r>
+              <a:rPr kumimoji="1" lang="ja-JP" altLang="en-US" sz="3200" b="0" i="0" u="none" strike="noStrike" kern="0" cap="none" spc="0" normalizeH="0" baseline="0" noProof="0" dirty="0" smtClean="0">
+                <a:ln>
+                  <a:noFill/>
+                </a:ln>
+                <a:solidFill>
+                  <a:srgbClr val="FF0000"/>
+                </a:solidFill>
+                <a:effectLst>
+                  <a:outerShdw blurRad="127000" algn="tl" rotWithShape="0">
+                    <a:schemeClr val="bg1">
+                      <a:alpha val="90000"/>
+                    </a:schemeClr>
+                  </a:outerShdw>
+                </a:effectLst>
+                <a:uLnTx/>
+                <a:uFillTx/>
+                <a:latin typeface="+mj-lt"/>
+                <a:ea typeface="+mj-ea"/>
+                <a:cs typeface="+mj-cs"/>
+              </a:rPr>
+              <a:t>）の資料です</a:t>
+            </a:r>
+            <a:endParaRPr kumimoji="1" lang="ja-JP" altLang="en-US" sz="3200" b="0" i="0" u="none" strike="noStrike" kern="0" cap="none" spc="0" normalizeH="0" baseline="0" noProof="0" dirty="0">
+              <a:ln>
+                <a:noFill/>
+              </a:ln>
+              <a:solidFill>
+                <a:srgbClr val="FF0000"/>
+              </a:solidFill>
+              <a:effectLst>
+                <a:outerShdw blurRad="127000" algn="tl" rotWithShape="0">
+                  <a:schemeClr val="bg1">
+                    <a:alpha val="90000"/>
+                  </a:schemeClr>
+                </a:outerShdw>
+              </a:effectLst>
+              <a:uLnTx/>
+              <a:uFillTx/>
+              <a:latin typeface="+mj-lt"/>
+              <a:ea typeface="+mj-ea"/>
+              <a:cs typeface="+mj-cs"/>
+            </a:endParaRPr>
+          </a:p>
+        </p:txBody>
+      </p:sp>
     </p:spTree>
   </p:cSld>
   <p:clrMapOvr>
@@ -52663,7 +52795,21 @@
           <a:p>
             <a:r>
               <a:rPr lang="ja-JP" altLang="en-US" dirty="0" smtClean="0"/>
-              <a:t>それでも「クラスのメンバーを管理・認証してくれている」ことから生ずる意義がある</a:t>
+              <a:t>それでも</a:t>
+            </a:r>
+            <a:r>
+              <a:rPr lang="ja-JP" altLang="en-US" dirty="0" smtClean="0">
+                <a:solidFill>
+                  <a:schemeClr val="bg2">
+                    <a:lumMod val="50000"/>
+                  </a:schemeClr>
+                </a:solidFill>
+              </a:rPr>
+              <a:t>「クラスのメンバーを管理・認証してくれている」</a:t>
+            </a:r>
+            <a:r>
+              <a:rPr lang="ja-JP" altLang="en-US" dirty="0" smtClean="0"/>
+              <a:t>ことから生ずる意義がある</a:t>
             </a:r>
             <a:endParaRPr lang="en-US" altLang="ja-JP" dirty="0" smtClean="0"/>
           </a:p>
@@ -55341,15 +55487,7 @@
             </a:r>
             <a:r>
               <a:rPr lang="ja-JP" altLang="en-US" dirty="0" smtClean="0"/>
-              <a:t>会議ツールの情報はすべて</a:t>
-            </a:r>
-            <a:r>
-              <a:rPr lang="ja-JP" altLang="en-US" dirty="0" smtClean="0"/>
-              <a:t>以下に</a:t>
-            </a:r>
-            <a:r>
-              <a:rPr lang="ja-JP" altLang="en-US" dirty="0" smtClean="0"/>
-              <a:t>あります</a:t>
+              <a:t>会議ツールの情報はすべて以下にあります</a:t>
             </a:r>
             <a:endParaRPr kumimoji="1" lang="ja-JP" altLang="en-US" dirty="0"/>
           </a:p>
@@ -56290,10 +56428,28 @@
         </p:nvSpPr>
         <p:spPr/>
         <p:txBody>
-          <a:bodyPr/>
+          <a:bodyPr>
+            <a:normAutofit fontScale="90000"/>
+          </a:bodyPr>
           <a:lstStyle/>
           <a:p>
-            <a:endParaRPr kumimoji="1" lang="ja-JP" altLang="en-US"/>
+            <a:r>
+              <a:rPr kumimoji="1" lang="en-US" altLang="ja-JP" dirty="0" smtClean="0"/>
+              <a:t>ITC-LMS</a:t>
+            </a:r>
+            <a:r>
+              <a:rPr kumimoji="1" lang="ja-JP" altLang="en-US" dirty="0" smtClean="0"/>
+              <a:t>と</a:t>
+            </a:r>
+            <a:r>
+              <a:rPr kumimoji="1" lang="en-US" altLang="ja-JP" dirty="0" smtClean="0"/>
+              <a:t>TV</a:t>
+            </a:r>
+            <a:r>
+              <a:rPr kumimoji="1" lang="ja-JP" altLang="en-US" dirty="0" smtClean="0"/>
+              <a:t>会議を組み合わせたオンライン授業テンプレート</a:t>
+            </a:r>
+            <a:endParaRPr kumimoji="1" lang="ja-JP" altLang="en-US" dirty="0"/>
           </a:p>
         </p:txBody>
       </p:sp>
@@ -56312,7 +56468,86 @@
           <a:bodyPr/>
           <a:lstStyle/>
           <a:p>
-            <a:endParaRPr kumimoji="1" lang="ja-JP" altLang="en-US"/>
+            <a:r>
+              <a:rPr kumimoji="1" lang="en-US" altLang="ja-JP" dirty="0" smtClean="0"/>
+              <a:t>ITC-LMS</a:t>
+            </a:r>
+            <a:r>
+              <a:rPr kumimoji="1" lang="ja-JP" altLang="en-US" dirty="0" smtClean="0"/>
+              <a:t>お知らせ機能でクラスの学生に（のみ）</a:t>
+            </a:r>
+            <a:r>
+              <a:rPr kumimoji="1" lang="en-US" altLang="ja-JP" dirty="0" smtClean="0"/>
+              <a:t>URL</a:t>
+            </a:r>
+            <a:r>
+              <a:rPr kumimoji="1" lang="ja-JP" altLang="en-US" dirty="0" smtClean="0"/>
+              <a:t>通知</a:t>
+            </a:r>
+            <a:endParaRPr kumimoji="1" lang="en-US" altLang="ja-JP" dirty="0" smtClean="0"/>
+          </a:p>
+          <a:p>
+            <a:r>
+              <a:rPr lang="en-US" altLang="ja-JP" dirty="0" smtClean="0"/>
+              <a:t>TV</a:t>
+            </a:r>
+            <a:r>
+              <a:rPr lang="ja-JP" altLang="en-US" dirty="0" smtClean="0"/>
+              <a:t>会議以外の安全な保険通信手段の確保</a:t>
+            </a:r>
+            <a:endParaRPr lang="en-US" altLang="ja-JP" dirty="0" smtClean="0"/>
+          </a:p>
+          <a:p>
+            <a:pPr lvl="1"/>
+            <a:r>
+              <a:rPr lang="en-US" altLang="ja-JP" dirty="0" smtClean="0"/>
+              <a:t>Google sheet</a:t>
+            </a:r>
+            <a:r>
+              <a:rPr lang="ja-JP" altLang="en-US" dirty="0" smtClean="0"/>
+              <a:t>共有</a:t>
+            </a:r>
+            <a:endParaRPr lang="en-US" altLang="ja-JP" dirty="0" smtClean="0"/>
+          </a:p>
+          <a:p>
+            <a:r>
+              <a:rPr lang="ja-JP" altLang="en-US" dirty="0" smtClean="0"/>
+              <a:t>出席</a:t>
+            </a:r>
+            <a:r>
+              <a:rPr lang="ja-JP" altLang="en-US" dirty="0" smtClean="0"/>
+              <a:t>の</a:t>
+            </a:r>
+            <a:r>
+              <a:rPr lang="ja-JP" altLang="en-US" dirty="0" smtClean="0"/>
+              <a:t>取り方（性善説であっても）</a:t>
+            </a:r>
+            <a:endParaRPr lang="en-US" altLang="ja-JP" dirty="0" smtClean="0"/>
+          </a:p>
+          <a:p>
+            <a:r>
+              <a:rPr lang="ja-JP" altLang="en-US" dirty="0" smtClean="0"/>
+              <a:t>質問の受け方</a:t>
+            </a:r>
+            <a:endParaRPr lang="en-US" altLang="ja-JP" dirty="0" smtClean="0"/>
+          </a:p>
+          <a:p>
+            <a:r>
+              <a:rPr lang="ja-JP" altLang="en-US" dirty="0" smtClean="0"/>
+              <a:t>全員マイク、カメラオフ</a:t>
+            </a:r>
+            <a:endParaRPr lang="en-US" altLang="ja-JP" dirty="0" smtClean="0"/>
+          </a:p>
+          <a:p>
+            <a:r>
+              <a:rPr lang="en-US" altLang="ja-JP" dirty="0" smtClean="0"/>
+              <a:t>DEIM</a:t>
+            </a:r>
+            <a:r>
+              <a:rPr lang="ja-JP" altLang="en-US" dirty="0" smtClean="0"/>
+              <a:t>の虎の巻が大いに生かされそう</a:t>
+            </a:r>
+            <a:endParaRPr kumimoji="1" lang="ja-JP" altLang="en-US" dirty="0"/>
           </a:p>
         </p:txBody>
       </p:sp>

--- a/events/2020-03-13/online_lecture.pptx
+++ b/events/2020-03-13/online_lecture.pptx
@@ -28,9 +28,9 @@
     <p:sldId id="270" r:id="rId19"/>
     <p:sldId id="271" r:id="rId20"/>
     <p:sldId id="277" r:id="rId21"/>
-    <p:sldId id="276" r:id="rId22"/>
-    <p:sldId id="264" r:id="rId23"/>
-    <p:sldId id="269" r:id="rId24"/>
+    <p:sldId id="264" r:id="rId22"/>
+    <p:sldId id="269" r:id="rId23"/>
+    <p:sldId id="279" r:id="rId24"/>
   </p:sldIdLst>
   <p:sldSz cx="9144000" cy="6858000" type="screen4x3"/>
   <p:notesSz cx="6858000" cy="9144000"/>
@@ -55830,7 +55830,11 @@
               <a:t>最大接続数</a:t>
             </a:r>
             <a:r>
-              <a:rPr kumimoji="1" lang="en-US" altLang="ja-JP" dirty="0" smtClean="0"/>
+              <a:rPr kumimoji="1" lang="en-US" altLang="ja-JP" dirty="0" smtClean="0">
+                <a:solidFill>
+                  <a:srgbClr val="FF0000"/>
+                </a:solidFill>
+              </a:rPr>
               <a:t>100</a:t>
             </a:r>
             <a:r>
@@ -55838,7 +55842,11 @@
               <a:t>（現在コロナ対策で</a:t>
             </a:r>
             <a:r>
-              <a:rPr kumimoji="1" lang="en-US" altLang="ja-JP" dirty="0" smtClean="0"/>
+              <a:rPr kumimoji="1" lang="en-US" altLang="ja-JP" dirty="0" smtClean="0">
+                <a:solidFill>
+                  <a:srgbClr val="FF0000"/>
+                </a:solidFill>
+              </a:rPr>
               <a:t>250</a:t>
             </a:r>
             <a:r>
@@ -55865,8 +55873,28 @@
           <a:p>
             <a:pPr lvl="1"/>
             <a:r>
+              <a:rPr lang="en-US" altLang="ja-JP" dirty="0" smtClean="0">
+                <a:solidFill>
+                  <a:srgbClr val="FF0000"/>
+                </a:solidFill>
+              </a:rPr>
+              <a:t>15</a:t>
+            </a:r>
+            <a:r>
+              <a:rPr lang="ja-JP" altLang="en-US" dirty="0" smtClean="0">
+                <a:solidFill>
+                  <a:srgbClr val="FF0000"/>
+                </a:solidFill>
+              </a:rPr>
+              <a:t>秒遅れ。</a:t>
+            </a:r>
+            <a:r>
               <a:rPr lang="ja-JP" altLang="en-US" dirty="0" smtClean="0"/>
-              <a:t>最大接続数</a:t>
+              <a:t>最大</a:t>
+            </a:r>
+            <a:r>
+              <a:rPr lang="ja-JP" altLang="en-US" dirty="0" smtClean="0"/>
+              <a:t>接続数</a:t>
             </a:r>
             <a:r>
               <a:rPr lang="en-US" altLang="ja-JP" dirty="0" smtClean="0"/>
@@ -55909,12 +55937,8 @@
               <a:t> TV</a:t>
             </a:r>
             <a:r>
-              <a:rPr kumimoji="1" lang="ja-JP" altLang="en-US" smtClean="0"/>
-              <a:t>会議ツールワンストップポータル</a:t>
-            </a:r>
-            <a:r>
               <a:rPr kumimoji="1" lang="ja-JP" altLang="en-US" dirty="0" smtClean="0"/>
-              <a:t>で案内しています（画像入りページ、動画）</a:t>
+              <a:t>会議ツールワンストップポータルで案内しています（画像入りページ、動画）</a:t>
             </a:r>
             <a:endParaRPr kumimoji="1" lang="ja-JP" altLang="en-US" dirty="0"/>
           </a:p>
@@ -55999,147 +56023,6 @@
 </file>
 
 <file path=ppt/slides/slide21.xml><?xml version="1.0" encoding="utf-8"?>
-<p:sld xmlns:a="http://schemas.openxmlformats.org/drawingml/2006/main" xmlns:r="http://schemas.openxmlformats.org/officeDocument/2006/relationships" xmlns:p="http://schemas.openxmlformats.org/presentationml/2006/main">
-  <p:cSld>
-    <p:spTree>
-      <p:nvGrpSpPr>
-        <p:cNvPr id="1" name=""/>
-        <p:cNvGrpSpPr/>
-        <p:nvPr/>
-      </p:nvGrpSpPr>
-      <p:grpSpPr>
-        <a:xfrm>
-          <a:off x="0" y="0"/>
-          <a:ext cx="0" cy="0"/>
-          <a:chOff x="0" y="0"/>
-          <a:chExt cx="0" cy="0"/>
-        </a:xfrm>
-      </p:grpSpPr>
-      <p:sp>
-        <p:nvSpPr>
-          <p:cNvPr id="2" name="タイトル 1"/>
-          <p:cNvSpPr>
-            <a:spLocks noGrp="1"/>
-          </p:cNvSpPr>
-          <p:nvPr>
-            <p:ph type="title"/>
-          </p:nvPr>
-        </p:nvSpPr>
-        <p:spPr/>
-        <p:txBody>
-          <a:bodyPr/>
-          <a:lstStyle/>
-          <a:p>
-            <a:r>
-              <a:rPr kumimoji="1" lang="ja-JP" altLang="en-US" dirty="0" smtClean="0"/>
-              <a:t>ワンストップポータル</a:t>
-            </a:r>
-            <a:endParaRPr kumimoji="1" lang="ja-JP" altLang="en-US" dirty="0"/>
-          </a:p>
-        </p:txBody>
-      </p:sp>
-      <p:sp>
-        <p:nvSpPr>
-          <p:cNvPr id="3" name="コンテンツ プレースホルダ 2"/>
-          <p:cNvSpPr>
-            <a:spLocks noGrp="1"/>
-          </p:cNvSpPr>
-          <p:nvPr>
-            <p:ph idx="1"/>
-          </p:nvPr>
-        </p:nvSpPr>
-        <p:spPr/>
-        <p:txBody>
-          <a:bodyPr/>
-          <a:lstStyle/>
-          <a:p>
-            <a:r>
-              <a:rPr kumimoji="1" lang="ja-JP" altLang="en-US" dirty="0" smtClean="0"/>
-              <a:t>以降</a:t>
-            </a:r>
-            <a:endParaRPr kumimoji="1" lang="ja-JP" altLang="en-US" dirty="0"/>
-          </a:p>
-        </p:txBody>
-      </p:sp>
-      <p:sp>
-        <p:nvSpPr>
-          <p:cNvPr id="6" name="スライド番号プレースホルダ 5"/>
-          <p:cNvSpPr>
-            <a:spLocks noGrp="1"/>
-          </p:cNvSpPr>
-          <p:nvPr>
-            <p:ph type="sldNum" sz="quarter" idx="12"/>
-          </p:nvPr>
-        </p:nvSpPr>
-        <p:spPr/>
-        <p:txBody>
-          <a:bodyPr/>
-          <a:lstStyle/>
-          <a:p>
-            <a:fld id="{EDF77D8D-9987-453A-9A05-EB91CA595C68}" type="slidenum">
-              <a:rPr kumimoji="1" lang="ja-JP" altLang="en-US" smtClean="0"/>
-              <a:pPr/>
-              <a:t>21</a:t>
-            </a:fld>
-            <a:endParaRPr kumimoji="1" lang="ja-JP" altLang="en-US"/>
-          </a:p>
-        </p:txBody>
-      </p:sp>
-      <p:sp>
-        <p:nvSpPr>
-          <p:cNvPr id="7" name="フッター プレースホルダ 6"/>
-          <p:cNvSpPr>
-            <a:spLocks noGrp="1"/>
-          </p:cNvSpPr>
-          <p:nvPr>
-            <p:ph type="ftr" sz="quarter" idx="11"/>
-          </p:nvPr>
-        </p:nvSpPr>
-        <p:spPr/>
-        <p:txBody>
-          <a:bodyPr/>
-          <a:lstStyle/>
-          <a:p>
-            <a:r>
-              <a:rPr kumimoji="1" lang="en-US" altLang="ja-JP" smtClean="0"/>
-              <a:t>utelecon.github.io</a:t>
-            </a:r>
-            <a:endParaRPr kumimoji="1" lang="ja-JP" altLang="en-US"/>
-          </a:p>
-        </p:txBody>
-      </p:sp>
-      <p:sp>
-        <p:nvSpPr>
-          <p:cNvPr id="8" name="日付プレースホルダ 7"/>
-          <p:cNvSpPr>
-            <a:spLocks noGrp="1"/>
-          </p:cNvSpPr>
-          <p:nvPr>
-            <p:ph type="dt" sz="half" idx="10"/>
-          </p:nvPr>
-        </p:nvSpPr>
-        <p:spPr/>
-        <p:txBody>
-          <a:bodyPr/>
-          <a:lstStyle/>
-          <a:p>
-            <a:r>
-              <a:rPr kumimoji="1" lang="en-US" altLang="ja-JP" smtClean="0"/>
-              <a:t>2020/3/13</a:t>
-            </a:r>
-            <a:endParaRPr kumimoji="1" lang="ja-JP" altLang="en-US"/>
-          </a:p>
-        </p:txBody>
-      </p:sp>
-    </p:spTree>
-  </p:cSld>
-  <p:clrMapOvr>
-    <a:masterClrMapping/>
-  </p:clrMapOvr>
-</p:sld>
-</file>
-
-<file path=ppt/slides/slide22.xml><?xml version="1.0" encoding="utf-8"?>
 <p:sld xmlns:a="http://schemas.openxmlformats.org/drawingml/2006/main" xmlns:r="http://schemas.openxmlformats.org/officeDocument/2006/relationships" xmlns:p="http://schemas.openxmlformats.org/presentationml/2006/main">
   <p:cSld>
     <p:spTree>
@@ -56339,7 +56222,7 @@
             <a:fld id="{EDF77D8D-9987-453A-9A05-EB91CA595C68}" type="slidenum">
               <a:rPr kumimoji="1" lang="ja-JP" altLang="en-US" smtClean="0"/>
               <a:pPr/>
-              <a:t>22</a:t>
+              <a:t>21</a:t>
             </a:fld>
             <a:endParaRPr kumimoji="1" lang="ja-JP" altLang="en-US"/>
           </a:p>
@@ -56399,7 +56282,7 @@
 </p:sld>
 </file>
 
-<file path=ppt/slides/slide23.xml><?xml version="1.0" encoding="utf-8"?>
+<file path=ppt/slides/slide22.xml><?xml version="1.0" encoding="utf-8"?>
 <p:sld xmlns:a="http://schemas.openxmlformats.org/drawingml/2006/main" xmlns:r="http://schemas.openxmlformats.org/officeDocument/2006/relationships" xmlns:p="http://schemas.openxmlformats.org/presentationml/2006/main">
   <p:cSld>
     <p:spTree>
@@ -56465,8 +56348,25 @@
         </p:nvSpPr>
         <p:spPr/>
         <p:txBody>
-          <a:bodyPr/>
+          <a:bodyPr>
+            <a:normAutofit fontScale="77500" lnSpcReduction="20000"/>
+          </a:bodyPr>
           <a:lstStyle/>
+          <a:p>
+            <a:r>
+              <a:rPr kumimoji="1" lang="ja-JP" altLang="en-US" dirty="0" smtClean="0">
+                <a:solidFill>
+                  <a:srgbClr val="FF0000"/>
+                </a:solidFill>
+              </a:rPr>
+              <a:t>以下のようなことをもうちょっと順を追って書く</a:t>
+            </a:r>
+            <a:endParaRPr kumimoji="1" lang="en-US" altLang="ja-JP" dirty="0" smtClean="0">
+              <a:solidFill>
+                <a:srgbClr val="FF0000"/>
+              </a:solidFill>
+            </a:endParaRPr>
+          </a:p>
           <a:p>
             <a:r>
               <a:rPr kumimoji="1" lang="en-US" altLang="ja-JP" dirty="0" smtClean="0"/>
@@ -56483,6 +56383,26 @@
             <a:r>
               <a:rPr kumimoji="1" lang="ja-JP" altLang="en-US" dirty="0" smtClean="0"/>
               <a:t>通知</a:t>
+            </a:r>
+            <a:endParaRPr kumimoji="1" lang="en-US" altLang="ja-JP" dirty="0" smtClean="0"/>
+          </a:p>
+          <a:p>
+            <a:pPr lvl="1"/>
+            <a:r>
+              <a:rPr kumimoji="1" lang="en-US" altLang="ja-JP" dirty="0" smtClean="0"/>
+              <a:t>Google</a:t>
+            </a:r>
+            <a:r>
+              <a:rPr kumimoji="1" lang="ja-JP" altLang="en-US" dirty="0" smtClean="0"/>
+              <a:t>ハングアウト</a:t>
+            </a:r>
+            <a:r>
+              <a:rPr kumimoji="1" lang="en-US" altLang="ja-JP" dirty="0" smtClean="0"/>
+              <a:t>Meet</a:t>
+            </a:r>
+            <a:r>
+              <a:rPr kumimoji="1" lang="ja-JP" altLang="en-US" dirty="0" smtClean="0"/>
+              <a:t>ならば「学内者のみ限定」は容易</a:t>
             </a:r>
             <a:endParaRPr kumimoji="1" lang="en-US" altLang="ja-JP" dirty="0" smtClean="0"/>
           </a:p>
@@ -56510,6 +56430,18 @@
             <a:endParaRPr lang="en-US" altLang="ja-JP" dirty="0" smtClean="0"/>
           </a:p>
           <a:p>
+            <a:pPr lvl="1"/>
+            <a:r>
+              <a:rPr lang="ja-JP" altLang="en-US" dirty="0" smtClean="0"/>
+              <a:t>途中で</a:t>
+            </a:r>
+            <a:r>
+              <a:rPr lang="ja-JP" altLang="en-US" dirty="0" smtClean="0"/>
+              <a:t>切れちゃったらあとは録画で</a:t>
+            </a:r>
+            <a:endParaRPr lang="en-US" altLang="ja-JP" dirty="0" smtClean="0"/>
+          </a:p>
+          <a:p>
             <a:r>
               <a:rPr lang="ja-JP" altLang="en-US" dirty="0" smtClean="0"/>
               <a:t>出席</a:t>
@@ -56520,7 +56452,7 @@
             </a:r>
             <a:r>
               <a:rPr lang="ja-JP" altLang="en-US" dirty="0" smtClean="0"/>
-              <a:t>取り方（性善説であっても）</a:t>
+              <a:t>取り方（性善説であっても。生徒とツナガル）</a:t>
             </a:r>
             <a:endParaRPr lang="en-US" altLang="ja-JP" dirty="0" smtClean="0"/>
           </a:p>
@@ -56569,7 +56501,7 @@
             <a:fld id="{EDF77D8D-9987-453A-9A05-EB91CA595C68}" type="slidenum">
               <a:rPr kumimoji="1" lang="ja-JP" altLang="en-US" smtClean="0"/>
               <a:pPr/>
-              <a:t>23</a:t>
+              <a:t>22</a:t>
             </a:fld>
             <a:endParaRPr kumimoji="1" lang="ja-JP" altLang="en-US"/>
           </a:p>
@@ -56617,6 +56549,209 @@
               <a:rPr kumimoji="1" lang="en-US" altLang="ja-JP" smtClean="0"/>
               <a:t>2020/3/13</a:t>
             </a:r>
+            <a:endParaRPr kumimoji="1" lang="ja-JP" altLang="en-US"/>
+          </a:p>
+        </p:txBody>
+      </p:sp>
+    </p:spTree>
+  </p:cSld>
+  <p:clrMapOvr>
+    <a:masterClrMapping/>
+  </p:clrMapOvr>
+</p:sld>
+</file>
+
+<file path=ppt/slides/slide23.xml><?xml version="1.0" encoding="utf-8"?>
+<p:sld xmlns:a="http://schemas.openxmlformats.org/drawingml/2006/main" xmlns:r="http://schemas.openxmlformats.org/officeDocument/2006/relationships" xmlns:p="http://schemas.openxmlformats.org/presentationml/2006/main">
+  <p:cSld>
+    <p:spTree>
+      <p:nvGrpSpPr>
+        <p:cNvPr id="1" name=""/>
+        <p:cNvGrpSpPr/>
+        <p:nvPr/>
+      </p:nvGrpSpPr>
+      <p:grpSpPr>
+        <a:xfrm>
+          <a:off x="0" y="0"/>
+          <a:ext cx="0" cy="0"/>
+          <a:chOff x="0" y="0"/>
+          <a:chExt cx="0" cy="0"/>
+        </a:xfrm>
+      </p:grpSpPr>
+      <p:sp>
+        <p:nvSpPr>
+          <p:cNvPr id="2" name="タイトル 1"/>
+          <p:cNvSpPr>
+            <a:spLocks noGrp="1"/>
+          </p:cNvSpPr>
+          <p:nvPr>
+            <p:ph type="title"/>
+          </p:nvPr>
+        </p:nvSpPr>
+        <p:spPr/>
+        <p:txBody>
+          <a:bodyPr>
+            <a:normAutofit/>
+          </a:bodyPr>
+          <a:lstStyle/>
+          <a:p>
+            <a:r>
+              <a:rPr kumimoji="1" lang="ja-JP" altLang="en-US" dirty="0" smtClean="0"/>
+              <a:t>こういうことが問題になりそう</a:t>
+            </a:r>
+            <a:endParaRPr kumimoji="1" lang="ja-JP" altLang="en-US" dirty="0"/>
+          </a:p>
+        </p:txBody>
+      </p:sp>
+      <p:sp>
+        <p:nvSpPr>
+          <p:cNvPr id="3" name="コンテンツ プレースホルダ 2"/>
+          <p:cNvSpPr>
+            <a:spLocks noGrp="1"/>
+          </p:cNvSpPr>
+          <p:nvPr>
+            <p:ph idx="1"/>
+          </p:nvPr>
+        </p:nvSpPr>
+        <p:spPr/>
+        <p:txBody>
+          <a:bodyPr/>
+          <a:lstStyle/>
+          <a:p>
+            <a:r>
+              <a:rPr kumimoji="1" lang="ja-JP" altLang="en-US" dirty="0" smtClean="0"/>
+              <a:t>以下はこの場（</a:t>
+            </a:r>
+            <a:r>
+              <a:rPr kumimoji="1" lang="en-US" altLang="ja-JP" dirty="0" smtClean="0"/>
+              <a:t>NII</a:t>
+            </a:r>
+            <a:r>
+              <a:rPr kumimoji="1" lang="ja-JP" altLang="en-US" dirty="0" smtClean="0"/>
+              <a:t>）限りのメモです。</a:t>
+            </a:r>
+            <a:endParaRPr kumimoji="1" lang="en-US" altLang="ja-JP" dirty="0" smtClean="0"/>
+          </a:p>
+          <a:p>
+            <a:pPr lvl="1"/>
+            <a:r>
+              <a:rPr kumimoji="1" lang="ja-JP" altLang="en-US" dirty="0" smtClean="0"/>
+              <a:t>黒板使いたいのですが</a:t>
+            </a:r>
+            <a:endParaRPr kumimoji="1" lang="en-US" altLang="ja-JP" dirty="0" smtClean="0"/>
+          </a:p>
+          <a:p>
+            <a:pPr lvl="1"/>
+            <a:r>
+              <a:rPr lang="ja-JP" altLang="en-US" dirty="0" smtClean="0"/>
+              <a:t>語学の</a:t>
+            </a:r>
+            <a:r>
+              <a:rPr lang="ja-JP" altLang="en-US" dirty="0" smtClean="0"/>
+              <a:t>授業「はい、ここ読んで」</a:t>
+            </a:r>
+            <a:endParaRPr lang="en-US" altLang="ja-JP" dirty="0" smtClean="0"/>
+          </a:p>
+          <a:p>
+            <a:pPr lvl="1"/>
+            <a:r>
+              <a:rPr kumimoji="1" lang="ja-JP" altLang="en-US" dirty="0" smtClean="0"/>
+              <a:t>数学</a:t>
+            </a:r>
+            <a:r>
+              <a:rPr kumimoji="1" lang="ja-JP" altLang="en-US" dirty="0" smtClean="0"/>
+              <a:t>演習「黒板で問題を解かせたい」</a:t>
+            </a:r>
+            <a:endParaRPr kumimoji="1" lang="en-US" altLang="ja-JP" dirty="0" smtClean="0"/>
+          </a:p>
+          <a:p>
+            <a:pPr lvl="1"/>
+            <a:r>
+              <a:rPr lang="ja-JP" altLang="en-US" dirty="0" smtClean="0"/>
+              <a:t>（紙の）</a:t>
+            </a:r>
+            <a:r>
+              <a:rPr lang="ja-JP" altLang="en-US" dirty="0" smtClean="0"/>
+              <a:t>教科書広げた授業</a:t>
+            </a:r>
+            <a:endParaRPr lang="en-US" altLang="ja-JP" dirty="0" smtClean="0"/>
+          </a:p>
+          <a:p>
+            <a:pPr lvl="1"/>
+            <a:r>
+              <a:rPr kumimoji="1" lang="ja-JP" altLang="en-US" smtClean="0"/>
+              <a:t>ウェットな実験</a:t>
+            </a:r>
+            <a:endParaRPr kumimoji="1" lang="ja-JP" altLang="en-US" dirty="0"/>
+          </a:p>
+        </p:txBody>
+      </p:sp>
+      <p:sp>
+        <p:nvSpPr>
+          <p:cNvPr id="4" name="日付プレースホルダ 3"/>
+          <p:cNvSpPr>
+            <a:spLocks noGrp="1"/>
+          </p:cNvSpPr>
+          <p:nvPr>
+            <p:ph type="dt" sz="half" idx="10"/>
+          </p:nvPr>
+        </p:nvSpPr>
+        <p:spPr/>
+        <p:txBody>
+          <a:bodyPr/>
+          <a:lstStyle/>
+          <a:p>
+            <a:r>
+              <a:rPr kumimoji="1" lang="en-US" altLang="ja-JP" smtClean="0"/>
+              <a:t>2020/3/13</a:t>
+            </a:r>
+            <a:endParaRPr kumimoji="1" lang="ja-JP" altLang="en-US"/>
+          </a:p>
+        </p:txBody>
+      </p:sp>
+      <p:sp>
+        <p:nvSpPr>
+          <p:cNvPr id="5" name="フッター プレースホルダ 4"/>
+          <p:cNvSpPr>
+            <a:spLocks noGrp="1"/>
+          </p:cNvSpPr>
+          <p:nvPr>
+            <p:ph type="ftr" sz="quarter" idx="11"/>
+          </p:nvPr>
+        </p:nvSpPr>
+        <p:spPr/>
+        <p:txBody>
+          <a:bodyPr/>
+          <a:lstStyle/>
+          <a:p>
+            <a:r>
+              <a:rPr kumimoji="1" lang="en-US" altLang="ja-JP" smtClean="0"/>
+              <a:t>utelecon.github.io</a:t>
+            </a:r>
+            <a:endParaRPr kumimoji="1" lang="ja-JP" altLang="en-US"/>
+          </a:p>
+        </p:txBody>
+      </p:sp>
+      <p:sp>
+        <p:nvSpPr>
+          <p:cNvPr id="6" name="スライド番号プレースホルダ 5"/>
+          <p:cNvSpPr>
+            <a:spLocks noGrp="1"/>
+          </p:cNvSpPr>
+          <p:nvPr>
+            <p:ph type="sldNum" sz="quarter" idx="12"/>
+          </p:nvPr>
+        </p:nvSpPr>
+        <p:spPr/>
+        <p:txBody>
+          <a:bodyPr/>
+          <a:lstStyle/>
+          <a:p>
+            <a:fld id="{EDF77D8D-9987-453A-9A05-EB91CA595C68}" type="slidenum">
+              <a:rPr kumimoji="1" lang="ja-JP" altLang="en-US" smtClean="0"/>
+              <a:pPr/>
+              <a:t>23</a:t>
+            </a:fld>
             <a:endParaRPr kumimoji="1" lang="ja-JP" altLang="en-US"/>
           </a:p>
         </p:txBody>

--- a/events/2020-03-13/online_lecture.pptx
+++ b/events/2020-03-13/online_lecture.pptx
@@ -5,7 +5,7 @@
     <p:sldMasterId id="2147483660" r:id="rId1"/>
   </p:sldMasterIdLst>
   <p:notesMasterIdLst>
-    <p:notesMasterId r:id="rId25"/>
+    <p:notesMasterId r:id="rId26"/>
   </p:notesMasterIdLst>
   <p:sldIdLst>
     <p:sldId id="256" r:id="rId2"/>
@@ -29,8 +29,9 @@
     <p:sldId id="271" r:id="rId20"/>
     <p:sldId id="277" r:id="rId21"/>
     <p:sldId id="264" r:id="rId22"/>
-    <p:sldId id="269" r:id="rId23"/>
-    <p:sldId id="279" r:id="rId24"/>
+    <p:sldId id="280" r:id="rId23"/>
+    <p:sldId id="269" r:id="rId24"/>
+    <p:sldId id="279" r:id="rId25"/>
   </p:sldIdLst>
   <p:sldSz cx="9144000" cy="6858000" type="screen4x3"/>
   <p:notesSz cx="6858000" cy="9144000"/>
@@ -55890,11 +55891,7 @@
             </a:r>
             <a:r>
               <a:rPr lang="ja-JP" altLang="en-US" dirty="0" smtClean="0"/>
-              <a:t>最大</a:t>
-            </a:r>
-            <a:r>
-              <a:rPr lang="ja-JP" altLang="en-US" dirty="0" smtClean="0"/>
-              <a:t>接続数</a:t>
+              <a:t>最大接続数</a:t>
             </a:r>
             <a:r>
               <a:rPr lang="en-US" altLang="ja-JP" dirty="0" smtClean="0"/>
@@ -56317,20 +56314,35 @@
           <a:lstStyle/>
           <a:p>
             <a:r>
-              <a:rPr kumimoji="1" lang="en-US" altLang="ja-JP" dirty="0" smtClean="0"/>
-              <a:t>ITC-LMS</a:t>
-            </a:r>
-            <a:r>
-              <a:rPr kumimoji="1" lang="ja-JP" altLang="en-US" dirty="0" smtClean="0"/>
-              <a:t>と</a:t>
-            </a:r>
-            <a:r>
-              <a:rPr kumimoji="1" lang="en-US" altLang="ja-JP" dirty="0" smtClean="0"/>
-              <a:t>TV</a:t>
-            </a:r>
-            <a:r>
-              <a:rPr kumimoji="1" lang="ja-JP" altLang="en-US" dirty="0" smtClean="0"/>
-              <a:t>会議を組み合わせたオンライン授業テンプレート</a:t>
+              <a:rPr lang="ja-JP" altLang="en-US" dirty="0" smtClean="0"/>
+              <a:t>それぞれの</a:t>
+            </a:r>
+            <a:r>
+              <a:rPr lang="ja-JP" altLang="en-US" dirty="0" smtClean="0"/>
+              <a:t>状況</a:t>
+            </a:r>
+            <a:r>
+              <a:rPr lang="en-US" altLang="ja-JP" dirty="0" smtClean="0"/>
+              <a:t/>
+            </a:r>
+            <a:br>
+              <a:rPr lang="en-US" altLang="ja-JP" dirty="0" smtClean="0"/>
+            </a:br>
+            <a:r>
+              <a:rPr lang="ja-JP" altLang="en-US" sz="2700" dirty="0" smtClean="0"/>
+              <a:t>若干</a:t>
+            </a:r>
+            <a:r>
+              <a:rPr lang="ja-JP" altLang="en-US" sz="2700" dirty="0" smtClean="0"/>
+              <a:t>の</a:t>
+            </a:r>
+            <a:r>
+              <a:rPr lang="ja-JP" altLang="en-US" sz="2700" dirty="0" smtClean="0"/>
+              <a:t>事実誤認が</a:t>
+            </a:r>
+            <a:r>
+              <a:rPr lang="ja-JP" altLang="en-US" sz="2700" dirty="0" smtClean="0"/>
+              <a:t>ありましたらお許しください</a:t>
             </a:r>
             <a:endParaRPr kumimoji="1" lang="ja-JP" altLang="en-US" dirty="0"/>
           </a:p>
@@ -56354,132 +56366,132 @@
           <a:lstStyle/>
           <a:p>
             <a:r>
-              <a:rPr kumimoji="1" lang="ja-JP" altLang="en-US" dirty="0" smtClean="0">
-                <a:solidFill>
-                  <a:srgbClr val="FF0000"/>
-                </a:solidFill>
-              </a:rPr>
-              <a:t>以下のようなことをもうちょっと順を追って書く</a:t>
-            </a:r>
-            <a:endParaRPr kumimoji="1" lang="en-US" altLang="ja-JP" dirty="0" smtClean="0">
-              <a:solidFill>
-                <a:srgbClr val="FF0000"/>
-              </a:solidFill>
-            </a:endParaRPr>
+              <a:rPr kumimoji="1" lang="en-US" altLang="ja-JP" dirty="0" smtClean="0"/>
+              <a:t>Meet</a:t>
+            </a:r>
           </a:p>
           <a:p>
-            <a:r>
-              <a:rPr kumimoji="1" lang="en-US" altLang="ja-JP" dirty="0" smtClean="0"/>
-              <a:t>ITC-LMS</a:t>
-            </a:r>
-            <a:r>
-              <a:rPr kumimoji="1" lang="ja-JP" altLang="en-US" dirty="0" smtClean="0"/>
-              <a:t>お知らせ機能でクラスの学生に（のみ）</a:t>
-            </a:r>
-            <a:r>
-              <a:rPr kumimoji="1" lang="en-US" altLang="ja-JP" dirty="0" smtClean="0"/>
-              <a:t>URL</a:t>
-            </a:r>
-            <a:r>
-              <a:rPr kumimoji="1" lang="ja-JP" altLang="en-US" dirty="0" smtClean="0"/>
-              <a:t>通知</a:t>
+            <a:pPr lvl="1"/>
+            <a:r>
+              <a:rPr lang="en-US" altLang="ja-JP" dirty="0" smtClean="0"/>
+              <a:t>G Suite for Education</a:t>
+            </a:r>
+            <a:r>
+              <a:rPr lang="ja-JP" altLang="en-US" dirty="0" err="1" smtClean="0"/>
+              <a:t>を契</a:t>
+            </a:r>
+            <a:r>
+              <a:rPr lang="ja-JP" altLang="en-US" dirty="0" smtClean="0"/>
+              <a:t>約しているためすでに全員使え、アナウンス済み。継続性の懸念がない。「学内構成員のみ」アクセス可能な会議やコンテンツを作るのが楽</a:t>
+            </a:r>
+            <a:endParaRPr lang="en-US" altLang="ja-JP" dirty="0" smtClean="0"/>
+          </a:p>
+          <a:p>
+            <a:r>
+              <a:rPr kumimoji="1" lang="en-US" altLang="ja-JP" dirty="0" err="1" smtClean="0"/>
+              <a:t>Webex</a:t>
             </a:r>
             <a:endParaRPr kumimoji="1" lang="en-US" altLang="ja-JP" dirty="0" smtClean="0"/>
           </a:p>
           <a:p>
             <a:pPr lvl="1"/>
             <a:r>
-              <a:rPr kumimoji="1" lang="en-US" altLang="ja-JP" dirty="0" smtClean="0"/>
-              <a:t>Google</a:t>
-            </a:r>
-            <a:r>
               <a:rPr kumimoji="1" lang="ja-JP" altLang="en-US" dirty="0" smtClean="0"/>
-              <a:t>ハングアウト</a:t>
-            </a:r>
-            <a:r>
-              <a:rPr kumimoji="1" lang="en-US" altLang="ja-JP" dirty="0" smtClean="0"/>
-              <a:t>Meet</a:t>
-            </a:r>
-            <a:r>
-              <a:rPr kumimoji="1" lang="ja-JP" altLang="en-US" dirty="0" smtClean="0"/>
-              <a:t>ならば「学内者のみ限定」は容易</a:t>
-            </a:r>
-            <a:endParaRPr kumimoji="1" lang="en-US" altLang="ja-JP" dirty="0" smtClean="0"/>
-          </a:p>
-          <a:p>
-            <a:r>
-              <a:rPr lang="en-US" altLang="ja-JP" dirty="0" smtClean="0"/>
-              <a:t>TV</a:t>
+              <a:t>構成員全員の</a:t>
             </a:r>
             <a:r>
               <a:rPr lang="ja-JP" altLang="en-US" dirty="0" smtClean="0"/>
-              <a:t>会議以外の安全な保険通信手段の確保</a:t>
+              <a:t>（</a:t>
+            </a:r>
+            <a:r>
+              <a:rPr lang="ja-JP" altLang="en-US" dirty="0" smtClean="0"/>
+              <a:t>大学が発行</a:t>
+            </a:r>
+            <a:r>
+              <a:rPr lang="ja-JP" altLang="en-US" dirty="0" smtClean="0"/>
+              <a:t>する）アドレスがユーザとして登録済みで、すでに利用可能（ひっそりアナウンス済み。ちゃんとした周知はまだ）。講義や会議などのアクセス制御（学外者）が潜在的な課題</a:t>
             </a:r>
             <a:endParaRPr lang="en-US" altLang="ja-JP" dirty="0" smtClean="0"/>
           </a:p>
           <a:p>
-            <a:pPr lvl="1"/>
-            <a:r>
-              <a:rPr lang="en-US" altLang="ja-JP" dirty="0" smtClean="0"/>
-              <a:t>Google sheet</a:t>
-            </a:r>
-            <a:r>
-              <a:rPr lang="ja-JP" altLang="en-US" dirty="0" smtClean="0"/>
-              <a:t>共有</a:t>
-            </a:r>
-            <a:endParaRPr lang="en-US" altLang="ja-JP" dirty="0" smtClean="0"/>
+            <a:r>
+              <a:rPr kumimoji="1" lang="en-US" altLang="ja-JP" dirty="0" smtClean="0"/>
+              <a:t>Zoom</a:t>
+            </a:r>
           </a:p>
           <a:p>
             <a:pPr lvl="1"/>
             <a:r>
+              <a:rPr lang="en-US" altLang="ja-JP" dirty="0" smtClean="0"/>
+              <a:t>Zoom</a:t>
+            </a:r>
+            <a:r>
               <a:rPr lang="ja-JP" altLang="en-US" dirty="0" smtClean="0"/>
-              <a:t>途中で</a:t>
+              <a:t>が </a:t>
+            </a:r>
+            <a:r>
+              <a:rPr lang="en-US" altLang="ja-JP" dirty="0" smtClean="0"/>
+              <a:t>*.</a:t>
+            </a:r>
+            <a:r>
+              <a:rPr lang="en-US" altLang="ja-JP" dirty="0" err="1" smtClean="0"/>
+              <a:t>ac.jp</a:t>
+            </a:r>
+            <a:r>
+              <a:rPr lang="en-US" altLang="ja-JP" dirty="0" smtClean="0"/>
+              <a:t> </a:t>
             </a:r>
             <a:r>
               <a:rPr lang="ja-JP" altLang="en-US" dirty="0" smtClean="0"/>
-              <a:t>切れちゃったらあとは録画で</a:t>
-            </a:r>
-            <a:endParaRPr lang="en-US" altLang="ja-JP" dirty="0" smtClean="0"/>
+              <a:t>ならだれでも無料に使えるプログラムを提供中。テクニカルには日本の大学関係者はだれでも使える。やはりアクセス制御が潜在的問題</a:t>
+            </a:r>
+            <a:endParaRPr kumimoji="1" lang="ja-JP" altLang="en-US" dirty="0"/>
           </a:p>
+        </p:txBody>
+      </p:sp>
+      <p:sp>
+        <p:nvSpPr>
+          <p:cNvPr id="4" name="日付プレースホルダ 3"/>
+          <p:cNvSpPr>
+            <a:spLocks noGrp="1"/>
+          </p:cNvSpPr>
+          <p:nvPr>
+            <p:ph type="dt" sz="half" idx="10"/>
+          </p:nvPr>
+        </p:nvSpPr>
+        <p:spPr/>
+        <p:txBody>
+          <a:bodyPr/>
+          <a:lstStyle/>
           <a:p>
             <a:r>
-              <a:rPr lang="ja-JP" altLang="en-US" dirty="0" smtClean="0"/>
-              <a:t>出席</a:t>
-            </a:r>
-            <a:r>
-              <a:rPr lang="ja-JP" altLang="en-US" dirty="0" smtClean="0"/>
-              <a:t>の</a:t>
-            </a:r>
-            <a:r>
-              <a:rPr lang="ja-JP" altLang="en-US" dirty="0" smtClean="0"/>
-              <a:t>取り方（性善説であっても。生徒とツナガル）</a:t>
-            </a:r>
-            <a:endParaRPr lang="en-US" altLang="ja-JP" dirty="0" smtClean="0"/>
+              <a:rPr kumimoji="1" lang="en-US" altLang="ja-JP" smtClean="0"/>
+              <a:t>2020/3/13</a:t>
+            </a:r>
+            <a:endParaRPr kumimoji="1" lang="ja-JP" altLang="en-US"/>
           </a:p>
+        </p:txBody>
+      </p:sp>
+      <p:sp>
+        <p:nvSpPr>
+          <p:cNvPr id="5" name="フッター プレースホルダ 4"/>
+          <p:cNvSpPr>
+            <a:spLocks noGrp="1"/>
+          </p:cNvSpPr>
+          <p:nvPr>
+            <p:ph type="ftr" sz="quarter" idx="11"/>
+          </p:nvPr>
+        </p:nvSpPr>
+        <p:spPr/>
+        <p:txBody>
+          <a:bodyPr/>
+          <a:lstStyle/>
           <a:p>
             <a:r>
-              <a:rPr lang="ja-JP" altLang="en-US" dirty="0" smtClean="0"/>
-              <a:t>質問の受け方</a:t>
-            </a:r>
-            <a:endParaRPr lang="en-US" altLang="ja-JP" dirty="0" smtClean="0"/>
-          </a:p>
-          <a:p>
-            <a:r>
-              <a:rPr lang="ja-JP" altLang="en-US" dirty="0" smtClean="0"/>
-              <a:t>全員マイク、カメラオフ</a:t>
-            </a:r>
-            <a:endParaRPr lang="en-US" altLang="ja-JP" dirty="0" smtClean="0"/>
-          </a:p>
-          <a:p>
-            <a:r>
-              <a:rPr lang="en-US" altLang="ja-JP" dirty="0" smtClean="0"/>
-              <a:t>DEIM</a:t>
-            </a:r>
-            <a:r>
-              <a:rPr lang="ja-JP" altLang="en-US" dirty="0" smtClean="0"/>
-              <a:t>の虎の巻が大いに生かされそう</a:t>
-            </a:r>
-            <a:endParaRPr kumimoji="1" lang="ja-JP" altLang="en-US" dirty="0"/>
+              <a:rPr kumimoji="1" lang="en-US" altLang="ja-JP" smtClean="0"/>
+              <a:t>utelecon.github.io</a:t>
+            </a:r>
+            <a:endParaRPr kumimoji="1" lang="ja-JP" altLang="en-US"/>
           </a:p>
         </p:txBody>
       </p:sp>
@@ -56503,52 +56515,6 @@
               <a:pPr/>
               <a:t>22</a:t>
             </a:fld>
-            <a:endParaRPr kumimoji="1" lang="ja-JP" altLang="en-US"/>
-          </a:p>
-        </p:txBody>
-      </p:sp>
-      <p:sp>
-        <p:nvSpPr>
-          <p:cNvPr id="7" name="フッター プレースホルダ 6"/>
-          <p:cNvSpPr>
-            <a:spLocks noGrp="1"/>
-          </p:cNvSpPr>
-          <p:nvPr>
-            <p:ph type="ftr" sz="quarter" idx="11"/>
-          </p:nvPr>
-        </p:nvSpPr>
-        <p:spPr/>
-        <p:txBody>
-          <a:bodyPr/>
-          <a:lstStyle/>
-          <a:p>
-            <a:r>
-              <a:rPr kumimoji="1" lang="en-US" altLang="ja-JP" smtClean="0"/>
-              <a:t>utelecon.github.io</a:t>
-            </a:r>
-            <a:endParaRPr kumimoji="1" lang="ja-JP" altLang="en-US"/>
-          </a:p>
-        </p:txBody>
-      </p:sp>
-      <p:sp>
-        <p:nvSpPr>
-          <p:cNvPr id="8" name="日付プレースホルダ 7"/>
-          <p:cNvSpPr>
-            <a:spLocks noGrp="1"/>
-          </p:cNvSpPr>
-          <p:nvPr>
-            <p:ph type="dt" sz="half" idx="10"/>
-          </p:nvPr>
-        </p:nvSpPr>
-        <p:spPr/>
-        <p:txBody>
-          <a:bodyPr/>
-          <a:lstStyle/>
-          <a:p>
-            <a:r>
-              <a:rPr kumimoji="1" lang="en-US" altLang="ja-JP" smtClean="0"/>
-              <a:t>2020/3/13</a:t>
-            </a:r>
             <a:endParaRPr kumimoji="1" lang="ja-JP" altLang="en-US"/>
           </a:p>
         </p:txBody>
@@ -56591,6 +56557,283 @@
         <p:spPr/>
         <p:txBody>
           <a:bodyPr>
+            <a:normAutofit fontScale="90000"/>
+          </a:bodyPr>
+          <a:lstStyle/>
+          <a:p>
+            <a:r>
+              <a:rPr kumimoji="1" lang="en-US" altLang="ja-JP" dirty="0" smtClean="0"/>
+              <a:t>ITC-LMS</a:t>
+            </a:r>
+            <a:r>
+              <a:rPr kumimoji="1" lang="ja-JP" altLang="en-US" dirty="0" smtClean="0"/>
+              <a:t>と</a:t>
+            </a:r>
+            <a:r>
+              <a:rPr kumimoji="1" lang="en-US" altLang="ja-JP" dirty="0" smtClean="0"/>
+              <a:t>TV</a:t>
+            </a:r>
+            <a:r>
+              <a:rPr kumimoji="1" lang="ja-JP" altLang="en-US" dirty="0" smtClean="0"/>
+              <a:t>会議を組み合わせたオンライン授業テンプレート</a:t>
+            </a:r>
+            <a:endParaRPr kumimoji="1" lang="ja-JP" altLang="en-US" dirty="0"/>
+          </a:p>
+        </p:txBody>
+      </p:sp>
+      <p:sp>
+        <p:nvSpPr>
+          <p:cNvPr id="3" name="コンテンツ プレースホルダ 2"/>
+          <p:cNvSpPr>
+            <a:spLocks noGrp="1"/>
+          </p:cNvSpPr>
+          <p:nvPr>
+            <p:ph idx="1"/>
+          </p:nvPr>
+        </p:nvSpPr>
+        <p:spPr/>
+        <p:txBody>
+          <a:bodyPr>
+            <a:normAutofit fontScale="77500" lnSpcReduction="20000"/>
+          </a:bodyPr>
+          <a:lstStyle/>
+          <a:p>
+            <a:r>
+              <a:rPr kumimoji="1" lang="ja-JP" altLang="en-US" dirty="0" smtClean="0">
+                <a:solidFill>
+                  <a:srgbClr val="FF0000"/>
+                </a:solidFill>
+              </a:rPr>
+              <a:t>以下のようなことをもうちょっと順を追って書く</a:t>
+            </a:r>
+            <a:endParaRPr kumimoji="1" lang="en-US" altLang="ja-JP" dirty="0" smtClean="0">
+              <a:solidFill>
+                <a:srgbClr val="FF0000"/>
+              </a:solidFill>
+            </a:endParaRPr>
+          </a:p>
+          <a:p>
+            <a:r>
+              <a:rPr kumimoji="1" lang="en-US" altLang="ja-JP" dirty="0" smtClean="0"/>
+              <a:t>ITC-LMS</a:t>
+            </a:r>
+            <a:r>
+              <a:rPr kumimoji="1" lang="ja-JP" altLang="en-US" dirty="0" smtClean="0"/>
+              <a:t>お知らせ機能でクラスの学生に（のみ）</a:t>
+            </a:r>
+            <a:r>
+              <a:rPr kumimoji="1" lang="en-US" altLang="ja-JP" dirty="0" smtClean="0"/>
+              <a:t>URL</a:t>
+            </a:r>
+            <a:r>
+              <a:rPr kumimoji="1" lang="ja-JP" altLang="en-US" dirty="0" smtClean="0"/>
+              <a:t>通知</a:t>
+            </a:r>
+            <a:endParaRPr kumimoji="1" lang="en-US" altLang="ja-JP" dirty="0" smtClean="0"/>
+          </a:p>
+          <a:p>
+            <a:pPr lvl="1"/>
+            <a:r>
+              <a:rPr kumimoji="1" lang="en-US" altLang="ja-JP" dirty="0" smtClean="0"/>
+              <a:t>Google</a:t>
+            </a:r>
+            <a:r>
+              <a:rPr kumimoji="1" lang="ja-JP" altLang="en-US" dirty="0" smtClean="0"/>
+              <a:t>ハングアウト</a:t>
+            </a:r>
+            <a:r>
+              <a:rPr kumimoji="1" lang="en-US" altLang="ja-JP" dirty="0" smtClean="0"/>
+              <a:t>Meet</a:t>
+            </a:r>
+            <a:r>
+              <a:rPr kumimoji="1" lang="ja-JP" altLang="en-US" dirty="0" smtClean="0"/>
+              <a:t>ならば「学内者のみ限定」は容易</a:t>
+            </a:r>
+            <a:endParaRPr kumimoji="1" lang="en-US" altLang="ja-JP" dirty="0" smtClean="0"/>
+          </a:p>
+          <a:p>
+            <a:r>
+              <a:rPr lang="en-US" altLang="ja-JP" dirty="0" smtClean="0"/>
+              <a:t>TV</a:t>
+            </a:r>
+            <a:r>
+              <a:rPr lang="ja-JP" altLang="en-US" dirty="0" smtClean="0"/>
+              <a:t>会議以外の安全な保険通信手段の確保</a:t>
+            </a:r>
+            <a:endParaRPr lang="en-US" altLang="ja-JP" dirty="0" smtClean="0"/>
+          </a:p>
+          <a:p>
+            <a:pPr lvl="1"/>
+            <a:r>
+              <a:rPr lang="en-US" altLang="ja-JP" dirty="0" smtClean="0"/>
+              <a:t>Google sheet</a:t>
+            </a:r>
+            <a:r>
+              <a:rPr lang="ja-JP" altLang="en-US" dirty="0" smtClean="0"/>
+              <a:t>共有</a:t>
+            </a:r>
+            <a:endParaRPr lang="en-US" altLang="ja-JP" dirty="0" smtClean="0"/>
+          </a:p>
+          <a:p>
+            <a:pPr lvl="1"/>
+            <a:r>
+              <a:rPr lang="ja-JP" altLang="en-US" dirty="0" smtClean="0"/>
+              <a:t>途中で切れちゃったらあとは録画で</a:t>
+            </a:r>
+            <a:endParaRPr lang="en-US" altLang="ja-JP" dirty="0" smtClean="0"/>
+          </a:p>
+          <a:p>
+            <a:r>
+              <a:rPr lang="ja-JP" altLang="en-US" dirty="0" smtClean="0"/>
+              <a:t>出席の取り方（性善説であっても。生徒とツナガル）</a:t>
+            </a:r>
+            <a:endParaRPr lang="en-US" altLang="ja-JP" dirty="0" smtClean="0"/>
+          </a:p>
+          <a:p>
+            <a:r>
+              <a:rPr lang="ja-JP" altLang="en-US" dirty="0" smtClean="0"/>
+              <a:t>質問の受け方</a:t>
+            </a:r>
+            <a:endParaRPr lang="en-US" altLang="ja-JP" dirty="0" smtClean="0"/>
+          </a:p>
+          <a:p>
+            <a:r>
+              <a:rPr lang="ja-JP" altLang="en-US" dirty="0" smtClean="0"/>
+              <a:t>全員マイク、カメラオフ</a:t>
+            </a:r>
+            <a:endParaRPr lang="en-US" altLang="ja-JP" dirty="0" smtClean="0"/>
+          </a:p>
+          <a:p>
+            <a:r>
+              <a:rPr lang="en-US" altLang="ja-JP" dirty="0" smtClean="0"/>
+              <a:t>DEIM</a:t>
+            </a:r>
+            <a:r>
+              <a:rPr lang="ja-JP" altLang="en-US" dirty="0" smtClean="0"/>
+              <a:t>の虎の巻が大いに生かされそう</a:t>
+            </a:r>
+            <a:endParaRPr lang="en-US" altLang="ja-JP" dirty="0" smtClean="0"/>
+          </a:p>
+          <a:p>
+            <a:pPr lvl="1"/>
+            <a:r>
+              <a:rPr lang="en-US" altLang="ja-JP" dirty="0" smtClean="0">
+                <a:hlinkClick r:id="rId2"/>
+              </a:rPr>
+              <a:t>https://github.com/DEIM2020/wiki/blob/master/chair.md</a:t>
+            </a:r>
+            <a:endParaRPr lang="en-US" altLang="ja-JP" dirty="0" smtClean="0"/>
+          </a:p>
+        </p:txBody>
+      </p:sp>
+      <p:sp>
+        <p:nvSpPr>
+          <p:cNvPr id="6" name="スライド番号プレースホルダ 5"/>
+          <p:cNvSpPr>
+            <a:spLocks noGrp="1"/>
+          </p:cNvSpPr>
+          <p:nvPr>
+            <p:ph type="sldNum" sz="quarter" idx="12"/>
+          </p:nvPr>
+        </p:nvSpPr>
+        <p:spPr/>
+        <p:txBody>
+          <a:bodyPr/>
+          <a:lstStyle/>
+          <a:p>
+            <a:fld id="{EDF77D8D-9987-453A-9A05-EB91CA595C68}" type="slidenum">
+              <a:rPr kumimoji="1" lang="ja-JP" altLang="en-US" smtClean="0"/>
+              <a:pPr/>
+              <a:t>23</a:t>
+            </a:fld>
+            <a:endParaRPr kumimoji="1" lang="ja-JP" altLang="en-US"/>
+          </a:p>
+        </p:txBody>
+      </p:sp>
+      <p:sp>
+        <p:nvSpPr>
+          <p:cNvPr id="7" name="フッター プレースホルダ 6"/>
+          <p:cNvSpPr>
+            <a:spLocks noGrp="1"/>
+          </p:cNvSpPr>
+          <p:nvPr>
+            <p:ph type="ftr" sz="quarter" idx="11"/>
+          </p:nvPr>
+        </p:nvSpPr>
+        <p:spPr/>
+        <p:txBody>
+          <a:bodyPr/>
+          <a:lstStyle/>
+          <a:p>
+            <a:r>
+              <a:rPr kumimoji="1" lang="en-US" altLang="ja-JP" smtClean="0"/>
+              <a:t>utelecon.github.io</a:t>
+            </a:r>
+            <a:endParaRPr kumimoji="1" lang="ja-JP" altLang="en-US"/>
+          </a:p>
+        </p:txBody>
+      </p:sp>
+      <p:sp>
+        <p:nvSpPr>
+          <p:cNvPr id="8" name="日付プレースホルダ 7"/>
+          <p:cNvSpPr>
+            <a:spLocks noGrp="1"/>
+          </p:cNvSpPr>
+          <p:nvPr>
+            <p:ph type="dt" sz="half" idx="10"/>
+          </p:nvPr>
+        </p:nvSpPr>
+        <p:spPr/>
+        <p:txBody>
+          <a:bodyPr/>
+          <a:lstStyle/>
+          <a:p>
+            <a:r>
+              <a:rPr kumimoji="1" lang="en-US" altLang="ja-JP" smtClean="0"/>
+              <a:t>2020/3/13</a:t>
+            </a:r>
+            <a:endParaRPr kumimoji="1" lang="ja-JP" altLang="en-US"/>
+          </a:p>
+        </p:txBody>
+      </p:sp>
+    </p:spTree>
+  </p:cSld>
+  <p:clrMapOvr>
+    <a:masterClrMapping/>
+  </p:clrMapOvr>
+</p:sld>
+</file>
+
+<file path=ppt/slides/slide24.xml><?xml version="1.0" encoding="utf-8"?>
+<p:sld xmlns:a="http://schemas.openxmlformats.org/drawingml/2006/main" xmlns:r="http://schemas.openxmlformats.org/officeDocument/2006/relationships" xmlns:p="http://schemas.openxmlformats.org/presentationml/2006/main">
+  <p:cSld>
+    <p:spTree>
+      <p:nvGrpSpPr>
+        <p:cNvPr id="1" name=""/>
+        <p:cNvGrpSpPr/>
+        <p:nvPr/>
+      </p:nvGrpSpPr>
+      <p:grpSpPr>
+        <a:xfrm>
+          <a:off x="0" y="0"/>
+          <a:ext cx="0" cy="0"/>
+          <a:chOff x="0" y="0"/>
+          <a:chExt cx="0" cy="0"/>
+        </a:xfrm>
+      </p:grpSpPr>
+      <p:sp>
+        <p:nvSpPr>
+          <p:cNvPr id="2" name="タイトル 1"/>
+          <p:cNvSpPr>
+            <a:spLocks noGrp="1"/>
+          </p:cNvSpPr>
+          <p:nvPr>
+            <p:ph type="title"/>
+          </p:nvPr>
+        </p:nvSpPr>
+        <p:spPr/>
+        <p:txBody>
+          <a:bodyPr>
             <a:normAutofit/>
           </a:bodyPr>
           <a:lstStyle/>
@@ -56644,11 +56887,7 @@
             <a:pPr lvl="1"/>
             <a:r>
               <a:rPr lang="ja-JP" altLang="en-US" dirty="0" smtClean="0"/>
-              <a:t>語学の</a:t>
-            </a:r>
-            <a:r>
-              <a:rPr lang="ja-JP" altLang="en-US" dirty="0" smtClean="0"/>
-              <a:t>授業「はい、ここ読んで」</a:t>
+              <a:t>語学の授業「はい、ここ読んで」</a:t>
             </a:r>
             <a:endParaRPr lang="en-US" altLang="ja-JP" dirty="0" smtClean="0"/>
           </a:p>
@@ -56656,11 +56895,7 @@
             <a:pPr lvl="1"/>
             <a:r>
               <a:rPr kumimoji="1" lang="ja-JP" altLang="en-US" dirty="0" smtClean="0"/>
-              <a:t>数学</a:t>
-            </a:r>
-            <a:r>
-              <a:rPr kumimoji="1" lang="ja-JP" altLang="en-US" dirty="0" smtClean="0"/>
-              <a:t>演習「黒板で問題を解かせたい」</a:t>
+              <a:t>数学演習「黒板で問題を解かせたい」</a:t>
             </a:r>
             <a:endParaRPr kumimoji="1" lang="en-US" altLang="ja-JP" dirty="0" smtClean="0"/>
           </a:p>
@@ -56668,11 +56903,7 @@
             <a:pPr lvl="1"/>
             <a:r>
               <a:rPr lang="ja-JP" altLang="en-US" dirty="0" smtClean="0"/>
-              <a:t>（紙の）</a:t>
-            </a:r>
-            <a:r>
-              <a:rPr lang="ja-JP" altLang="en-US" dirty="0" smtClean="0"/>
-              <a:t>教科書広げた授業</a:t>
+              <a:t>（紙の）教科書広げた授業</a:t>
             </a:r>
             <a:endParaRPr lang="en-US" altLang="ja-JP" dirty="0" smtClean="0"/>
           </a:p>
@@ -56750,7 +56981,7 @@
             <a:fld id="{EDF77D8D-9987-453A-9A05-EB91CA595C68}" type="slidenum">
               <a:rPr kumimoji="1" lang="ja-JP" altLang="en-US" smtClean="0"/>
               <a:pPr/>
-              <a:t>23</a:t>
+              <a:t>24</a:t>
             </a:fld>
             <a:endParaRPr kumimoji="1" lang="ja-JP" altLang="en-US"/>
           </a:p>
